--- a/documentatie/Licenta.pptx
+++ b/documentatie/Licenta.pptx
@@ -5,17 +5,23 @@
     <p:sldMasterId id="2147483648" r:id="rId4"/>
   </p:sldMasterIdLst>
   <p:notesMasterIdLst>
-    <p:notesMasterId r:id="rId10"/>
+    <p:notesMasterId r:id="rId16"/>
   </p:notesMasterIdLst>
   <p:handoutMasterIdLst>
-    <p:handoutMasterId r:id="rId11"/>
+    <p:handoutMasterId r:id="rId17"/>
   </p:handoutMasterIdLst>
   <p:sldIdLst>
     <p:sldId id="256" r:id="rId5"/>
     <p:sldId id="288" r:id="rId6"/>
     <p:sldId id="286" r:id="rId7"/>
     <p:sldId id="301" r:id="rId8"/>
-    <p:sldId id="296" r:id="rId9"/>
+    <p:sldId id="303" r:id="rId9"/>
+    <p:sldId id="304" r:id="rId10"/>
+    <p:sldId id="305" r:id="rId11"/>
+    <p:sldId id="306" r:id="rId12"/>
+    <p:sldId id="307" r:id="rId13"/>
+    <p:sldId id="308" r:id="rId14"/>
+    <p:sldId id="296" r:id="rId15"/>
   </p:sldIdLst>
   <p:sldSz cx="12192000" cy="6858000"/>
   <p:notesSz cx="6858000" cy="9144000"/>
@@ -231,7 +237,7 @@
           <a:p>
             <a:fld id="{9D8190EA-5EEC-4300-B6AE-D9734C6C648E}" type="datetimeFigureOut">
               <a:rPr lang="en-US" smtClean="0"/>
-              <a:t>6/29/2024</a:t>
+              <a:t>6/30/2024</a:t>
             </a:fld>
             <a:endParaRPr lang="en-US" dirty="0"/>
           </a:p>
@@ -408,7 +414,7 @@
           <a:p>
             <a:fld id="{7487ADD9-2083-264C-A652-8D52D02F7E72}" type="datetimeFigureOut">
               <a:rPr lang="en-US" smtClean="0"/>
-              <a:t>6/29/2024</a:t>
+              <a:t>6/30/2024</a:t>
             </a:fld>
             <a:endParaRPr lang="en-US" dirty="0"/>
           </a:p>
@@ -1076,7 +1082,7 @@
           <a:p>
             <a:fld id="{F97DC217-DF71-1A49-B3EA-559F1F43B0FF}" type="slidenum">
               <a:rPr lang="en-US" smtClean="0"/>
-              <a:t>5</a:t>
+              <a:t>11</a:t>
             </a:fld>
             <a:endParaRPr lang="en-US" dirty="0"/>
           </a:p>
@@ -10214,6 +10220,933 @@
 </p:sld>
 </file>
 
+<file path=ppt/slides/slide10.xml><?xml version="1.0" encoding="utf-8"?>
+<p:sld xmlns:a="http://schemas.openxmlformats.org/drawingml/2006/main" xmlns:r="http://schemas.openxmlformats.org/officeDocument/2006/relationships" xmlns:p="http://schemas.openxmlformats.org/presentationml/2006/main">
+  <p:cSld>
+    <p:spTree>
+      <p:nvGrpSpPr>
+        <p:cNvPr id="1" name=""/>
+        <p:cNvGrpSpPr/>
+        <p:nvPr/>
+      </p:nvGrpSpPr>
+      <p:grpSpPr>
+        <a:xfrm>
+          <a:off x="0" y="0"/>
+          <a:ext cx="0" cy="0"/>
+          <a:chOff x="0" y="0"/>
+          <a:chExt cx="0" cy="0"/>
+        </a:xfrm>
+      </p:grpSpPr>
+      <p:sp>
+        <p:nvSpPr>
+          <p:cNvPr id="2" name="Title 1">
+            <a:extLst>
+              <a:ext uri="{FF2B5EF4-FFF2-40B4-BE49-F238E27FC236}">
+                <a16:creationId xmlns:a16="http://schemas.microsoft.com/office/drawing/2014/main" id="{1803D399-C5B9-4E03-EA51-17D0BFB942D1}"/>
+              </a:ext>
+            </a:extLst>
+          </p:cNvPr>
+          <p:cNvSpPr>
+            <a:spLocks noGrp="1"/>
+          </p:cNvSpPr>
+          <p:nvPr>
+            <p:ph type="title"/>
+          </p:nvPr>
+        </p:nvSpPr>
+        <p:spPr>
+          <a:xfrm>
+            <a:off x="3635829" y="65314"/>
+            <a:ext cx="6591300" cy="805543"/>
+          </a:xfrm>
+        </p:spPr>
+        <p:txBody>
+          <a:bodyPr/>
+          <a:lstStyle/>
+          <a:p>
+            <a:r>
+              <a:rPr lang="ro-RO" sz="5400" dirty="0"/>
+              <a:t>Bibliografie</a:t>
+            </a:r>
+            <a:endParaRPr lang="en-US" sz="5400" dirty="0"/>
+          </a:p>
+        </p:txBody>
+      </p:sp>
+      <p:sp>
+        <p:nvSpPr>
+          <p:cNvPr id="3" name="Subtitle 2">
+            <a:extLst>
+              <a:ext uri="{FF2B5EF4-FFF2-40B4-BE49-F238E27FC236}">
+                <a16:creationId xmlns:a16="http://schemas.microsoft.com/office/drawing/2014/main" id="{1B585991-25BC-09A2-A5AF-11321DD6BF2F}"/>
+              </a:ext>
+            </a:extLst>
+          </p:cNvPr>
+          <p:cNvSpPr>
+            <a:spLocks noGrp="1"/>
+          </p:cNvSpPr>
+          <p:nvPr>
+            <p:ph type="subTitle" idx="1"/>
+          </p:nvPr>
+        </p:nvSpPr>
+        <p:spPr>
+          <a:xfrm>
+            <a:off x="440871" y="1055914"/>
+            <a:ext cx="11401879" cy="5198836"/>
+          </a:xfrm>
+        </p:spPr>
+        <p:txBody>
+          <a:bodyPr/>
+          <a:lstStyle/>
+          <a:p>
+            <a:pPr marL="342900" indent="-342900" algn="l">
+              <a:buFont typeface="+mj-lt"/>
+              <a:buAutoNum type="arabicPeriod"/>
+            </a:pPr>
+            <a:r>
+              <a:rPr lang="en-US" sz="1800" b="0" i="0" u="none" strike="noStrike" baseline="0" dirty="0">
+                <a:solidFill>
+                  <a:srgbClr val="000000"/>
+                </a:solidFill>
+                <a:latin typeface="LMRoman12-Regular-Identity-H"/>
+              </a:rPr>
+              <a:t>Stuart Anderson, </a:t>
+            </a:r>
+            <a:r>
+              <a:rPr lang="en-US" sz="1800" b="0" i="1" u="none" strike="noStrike" baseline="0" dirty="0">
+                <a:solidFill>
+                  <a:srgbClr val="000000"/>
+                </a:solidFill>
+                <a:latin typeface="LMRoman12-Italic-Identity-H"/>
+              </a:rPr>
+              <a:t>Integration Testing</a:t>
+            </a:r>
+            <a:r>
+              <a:rPr lang="en-US" sz="1800" b="0" i="0" u="none" strike="noStrike" baseline="0" dirty="0">
+                <a:solidFill>
+                  <a:srgbClr val="000000"/>
+                </a:solidFill>
+                <a:latin typeface="LMRoman12-Regular-Identity-H"/>
+              </a:rPr>
+              <a:t>, 2011, </a:t>
+            </a:r>
+            <a:r>
+              <a:rPr lang="en-US" sz="1800" b="0" i="0" u="none" strike="noStrike" baseline="0" dirty="0">
+                <a:solidFill>
+                  <a:srgbClr val="000000"/>
+                </a:solidFill>
+                <a:latin typeface="LMRomanCaps10-Regular-Identity-H"/>
+              </a:rPr>
+              <a:t>url</a:t>
+            </a:r>
+            <a:r>
+              <a:rPr lang="en-US" sz="1800" b="0" i="0" u="none" strike="noStrike" baseline="0" dirty="0">
+                <a:solidFill>
+                  <a:srgbClr val="000000"/>
+                </a:solidFill>
+                <a:latin typeface="LMRoman12-Regular-Identity-H"/>
+              </a:rPr>
+              <a:t>: </a:t>
+            </a:r>
+            <a:r>
+              <a:rPr lang="en-US" sz="1800" b="0" i="0" u="none" strike="noStrike" baseline="0" dirty="0">
+                <a:solidFill>
+                  <a:srgbClr val="0000FF"/>
+                </a:solidFill>
+                <a:latin typeface="LMMono12-Regular-Identity-H"/>
+              </a:rPr>
+              <a:t>https://www.inf.ed.ac.uk/teaching/courses/st/2011- 12/Resource- folder/10_integration.pdf</a:t>
+            </a:r>
+            <a:r>
+              <a:rPr lang="ro-RO" sz="1800" b="0" i="0" u="none" strike="noStrike" baseline="0" dirty="0">
+                <a:solidFill>
+                  <a:srgbClr val="0000FF"/>
+                </a:solidFill>
+                <a:latin typeface="LMMono12-Regular-Identity-H"/>
+              </a:rPr>
+              <a:t> </a:t>
+            </a:r>
+            <a:r>
+              <a:rPr lang="en-US" sz="1800" b="0" i="0" u="none" strike="noStrike" baseline="0" dirty="0">
+                <a:solidFill>
+                  <a:srgbClr val="000000"/>
+                </a:solidFill>
+                <a:latin typeface="LMRoman12-Regular-Identity-H"/>
+              </a:rPr>
+              <a:t>(</a:t>
+            </a:r>
+            <a:r>
+              <a:rPr lang="en-US" sz="1800" b="0" i="0" u="none" strike="noStrike" baseline="0" dirty="0" err="1">
+                <a:solidFill>
+                  <a:srgbClr val="000000"/>
+                </a:solidFill>
+                <a:latin typeface="LMRoman12-Regular-Identity-H"/>
+              </a:rPr>
+              <a:t>accesat</a:t>
+            </a:r>
+            <a:r>
+              <a:rPr lang="en-US" sz="1800" b="0" i="0" u="none" strike="noStrike" baseline="0" dirty="0">
+                <a:solidFill>
+                  <a:srgbClr val="000000"/>
+                </a:solidFill>
+                <a:latin typeface="LMRoman12-Regular-Identity-H"/>
+              </a:rPr>
+              <a:t> </a:t>
+            </a:r>
+            <a:r>
+              <a:rPr lang="en-US" sz="1800" b="0" i="0" u="none" strike="noStrike" baseline="0" dirty="0" err="1">
+                <a:solidFill>
+                  <a:srgbClr val="000000"/>
+                </a:solidFill>
+                <a:latin typeface="LMRoman12-Regular-Identity-H"/>
+              </a:rPr>
+              <a:t>în</a:t>
+            </a:r>
+            <a:r>
+              <a:rPr lang="en-US" sz="1800" b="0" i="0" u="none" strike="noStrike" baseline="0" dirty="0">
+                <a:solidFill>
+                  <a:srgbClr val="000000"/>
+                </a:solidFill>
+                <a:latin typeface="LMRoman12-Regular-Identity-H"/>
+              </a:rPr>
+              <a:t> 1.6.2024).</a:t>
+            </a:r>
+            <a:endParaRPr lang="ro-RO" sz="1800" b="0" i="0" u="none" strike="noStrike" baseline="0" dirty="0">
+              <a:solidFill>
+                <a:srgbClr val="000000"/>
+              </a:solidFill>
+              <a:latin typeface="LMRoman12-Regular-Identity-H"/>
+            </a:endParaRPr>
+          </a:p>
+          <a:p>
+            <a:pPr marL="342900" indent="-342900" algn="l">
+              <a:buFont typeface="+mj-lt"/>
+              <a:buAutoNum type="arabicPeriod"/>
+            </a:pPr>
+            <a:endParaRPr lang="ro-RO" sz="1800" dirty="0">
+              <a:solidFill>
+                <a:srgbClr val="000000"/>
+              </a:solidFill>
+              <a:latin typeface="LMRoman12-Regular-Identity-H"/>
+            </a:endParaRPr>
+          </a:p>
+          <a:p>
+            <a:pPr marL="342900" indent="-342900" algn="l">
+              <a:buFont typeface="+mj-lt"/>
+              <a:buAutoNum type="arabicPeriod"/>
+            </a:pPr>
+            <a:r>
+              <a:rPr lang="en-US" sz="1800" b="0" i="0" u="none" strike="noStrike" baseline="0" dirty="0">
+                <a:solidFill>
+                  <a:srgbClr val="000000"/>
+                </a:solidFill>
+                <a:latin typeface="LMRoman12-Regular-Identity-H"/>
+              </a:rPr>
+              <a:t>Vladimir </a:t>
+            </a:r>
+            <a:r>
+              <a:rPr lang="en-US" sz="1800" b="0" i="0" u="none" strike="noStrike" baseline="0" dirty="0" err="1">
+                <a:solidFill>
+                  <a:srgbClr val="000000"/>
+                </a:solidFill>
+                <a:latin typeface="LMRoman12-Regular-Identity-H"/>
+              </a:rPr>
+              <a:t>Khorikov</a:t>
+            </a:r>
+            <a:r>
+              <a:rPr lang="en-US" sz="1800" b="0" i="0" u="none" strike="noStrike" baseline="0" dirty="0">
+                <a:solidFill>
+                  <a:srgbClr val="000000"/>
+                </a:solidFill>
+                <a:latin typeface="LMRoman12-Regular-Identity-H"/>
+              </a:rPr>
+              <a:t>, </a:t>
+            </a:r>
+            <a:r>
+              <a:rPr lang="en-US" sz="1800" b="0" i="1" u="none" strike="noStrike" baseline="0" dirty="0">
+                <a:solidFill>
+                  <a:srgbClr val="000000"/>
+                </a:solidFill>
+                <a:latin typeface="LMRoman12-Italic-Identity-H"/>
+              </a:rPr>
+              <a:t>Unit Testing - Principles, Practices, and Patterns</a:t>
+            </a:r>
+            <a:r>
+              <a:rPr lang="en-US" sz="1800" b="0" i="0" u="none" strike="noStrike" baseline="0" dirty="0">
+                <a:solidFill>
+                  <a:srgbClr val="000000"/>
+                </a:solidFill>
+                <a:latin typeface="LMRoman12-Regular-Identity-H"/>
+              </a:rPr>
+              <a:t>, 2020, </a:t>
+            </a:r>
+            <a:r>
+              <a:rPr lang="en-US" sz="1800" b="0" i="0" u="none" strike="noStrike" baseline="0" dirty="0">
+                <a:solidFill>
+                  <a:srgbClr val="000000"/>
+                </a:solidFill>
+                <a:latin typeface="LMRomanCaps10-Regular-Identity-H"/>
+              </a:rPr>
+              <a:t>url</a:t>
+            </a:r>
+            <a:r>
+              <a:rPr lang="en-US" sz="1800" b="0" i="0" u="none" strike="noStrike" baseline="0" dirty="0">
+                <a:solidFill>
+                  <a:srgbClr val="000000"/>
+                </a:solidFill>
+                <a:latin typeface="LMRoman12-Regular-Identity-H"/>
+              </a:rPr>
+              <a:t>:</a:t>
+            </a:r>
+            <a:r>
+              <a:rPr lang="ro-RO" sz="1800" b="0" i="0" u="none" strike="noStrike" baseline="0" dirty="0">
+                <a:solidFill>
+                  <a:srgbClr val="000000"/>
+                </a:solidFill>
+                <a:latin typeface="LMRoman12-Regular-Identity-H"/>
+              </a:rPr>
+              <a:t> </a:t>
+            </a:r>
+            <a:r>
+              <a:rPr lang="en-US" sz="1800" dirty="0">
+                <a:solidFill>
+                  <a:srgbClr val="0000FF"/>
+                </a:solidFill>
+                <a:latin typeface="LMMono12-Regular-Identity-H"/>
+                <a:hlinkClick r:id="rId2"/>
+              </a:rPr>
+              <a:t>https://books</a:t>
+            </a:r>
+            <a:r>
+              <a:rPr lang="ro-RO" sz="1800" dirty="0">
+                <a:solidFill>
+                  <a:srgbClr val="0000FF"/>
+                </a:solidFill>
+                <a:latin typeface="LMMono12-Regular-Identity-H"/>
+              </a:rPr>
+              <a:t> </a:t>
+            </a:r>
+            <a:r>
+              <a:rPr lang="en-US" sz="1800" b="0" i="0" u="none" strike="noStrike" baseline="0" dirty="0">
+                <a:solidFill>
+                  <a:srgbClr val="0000FF"/>
+                </a:solidFill>
+                <a:latin typeface="LMMono12-Regular-Identity-H"/>
+                <a:hlinkClick r:id="rId3"/>
+              </a:rPr>
+              <a:t>l</a:t>
+            </a:r>
+            <a:r>
+              <a:rPr lang="en-US" sz="1800" b="0" i="0" u="none" strike="noStrike" baseline="0" dirty="0">
+                <a:solidFill>
+                  <a:srgbClr val="0000FF"/>
+                </a:solidFill>
+                <a:latin typeface="LMMono12-Regular-Identity-H"/>
+                <a:hlinkClick r:id="rId3"/>
+              </a:rPr>
+              <a:t>ibrary.net/files/books-library.net-07192142Kn9I3.pdf</a:t>
+            </a:r>
+            <a:r>
+              <a:rPr lang="ro-RO" sz="1800" b="0" i="0" u="none" strike="noStrike" baseline="0" dirty="0">
+                <a:solidFill>
+                  <a:srgbClr val="0000FF"/>
+                </a:solidFill>
+                <a:latin typeface="LMMono12-Regular-Identity-H"/>
+              </a:rPr>
+              <a:t> </a:t>
+            </a:r>
+            <a:r>
+              <a:rPr lang="en-US" sz="1800" b="0" i="0" u="none" strike="noStrike" baseline="0" dirty="0">
+                <a:solidFill>
+                  <a:srgbClr val="000000"/>
+                </a:solidFill>
+                <a:latin typeface="LMRoman12-Regular-Identity-H"/>
+              </a:rPr>
+              <a:t>(</a:t>
+            </a:r>
+            <a:r>
+              <a:rPr lang="en-US" sz="1800" b="0" i="0" u="none" strike="noStrike" baseline="0" dirty="0" err="1">
+                <a:solidFill>
+                  <a:srgbClr val="000000"/>
+                </a:solidFill>
+                <a:latin typeface="LMRoman12-Regular-Identity-H"/>
+              </a:rPr>
+              <a:t>accesat</a:t>
+            </a:r>
+            <a:r>
+              <a:rPr lang="en-US" sz="1800" b="0" i="0" u="none" strike="noStrike" baseline="0" dirty="0">
+                <a:solidFill>
+                  <a:srgbClr val="000000"/>
+                </a:solidFill>
+                <a:latin typeface="LMRoman12-Regular-Identity-H"/>
+              </a:rPr>
+              <a:t> </a:t>
+            </a:r>
+            <a:r>
+              <a:rPr lang="en-US" sz="1800" b="0" i="0" u="none" strike="noStrike" baseline="0" dirty="0" err="1">
+                <a:solidFill>
+                  <a:srgbClr val="000000"/>
+                </a:solidFill>
+                <a:latin typeface="LMRoman12-Regular-Identity-H"/>
+              </a:rPr>
+              <a:t>în</a:t>
+            </a:r>
+            <a:r>
+              <a:rPr lang="en-US" sz="1800" b="0" i="0" u="none" strike="noStrike" baseline="0" dirty="0">
+                <a:solidFill>
+                  <a:srgbClr val="000000"/>
+                </a:solidFill>
+                <a:latin typeface="LMRoman12-Regular-Identity-H"/>
+              </a:rPr>
+              <a:t> 1.6.2024).</a:t>
+            </a:r>
+            <a:endParaRPr lang="ro-RO" sz="1800" b="0" i="0" u="none" strike="noStrike" baseline="0" dirty="0">
+              <a:solidFill>
+                <a:srgbClr val="000000"/>
+              </a:solidFill>
+              <a:latin typeface="LMRoman12-Regular-Identity-H"/>
+            </a:endParaRPr>
+          </a:p>
+          <a:p>
+            <a:pPr marL="342900" indent="-342900" algn="l">
+              <a:buFont typeface="+mj-lt"/>
+              <a:buAutoNum type="arabicPeriod"/>
+            </a:pPr>
+            <a:endParaRPr lang="ro-RO" sz="1800" dirty="0">
+              <a:solidFill>
+                <a:srgbClr val="000000"/>
+              </a:solidFill>
+              <a:latin typeface="LMRoman12-Regular-Identity-H"/>
+            </a:endParaRPr>
+          </a:p>
+          <a:p>
+            <a:pPr marL="342900" indent="-342900" algn="l">
+              <a:buFont typeface="+mj-lt"/>
+              <a:buAutoNum type="arabicPeriod"/>
+            </a:pPr>
+            <a:r>
+              <a:rPr lang="en-US" sz="1800" b="0" i="0" u="none" strike="noStrike" baseline="0" dirty="0">
+                <a:solidFill>
+                  <a:srgbClr val="000000"/>
+                </a:solidFill>
+                <a:latin typeface="LMRoman12-Regular-Identity-H"/>
+              </a:rPr>
+              <a:t>Buse </a:t>
+            </a:r>
+            <a:r>
+              <a:rPr lang="en-US" sz="1800" b="0" i="0" u="none" strike="noStrike" baseline="0" dirty="0" err="1">
+                <a:solidFill>
+                  <a:srgbClr val="000000"/>
+                </a:solidFill>
+                <a:latin typeface="LMRoman12-Regular-Identity-H"/>
+              </a:rPr>
+              <a:t>Kanal</a:t>
+            </a:r>
+            <a:r>
+              <a:rPr lang="en-US" sz="1800" b="0" i="0" u="none" strike="noStrike" baseline="0" dirty="0">
+                <a:solidFill>
+                  <a:srgbClr val="000000"/>
+                </a:solidFill>
+                <a:latin typeface="LMRoman12-Regular-Identity-H"/>
+              </a:rPr>
+              <a:t>, </a:t>
+            </a:r>
+            <a:r>
+              <a:rPr lang="en-US" sz="1800" b="0" i="1" u="none" strike="noStrike" baseline="0" dirty="0">
+                <a:solidFill>
+                  <a:srgbClr val="000000"/>
+                </a:solidFill>
+                <a:latin typeface="LMRoman12-Italic-Identity-H"/>
+              </a:rPr>
+              <a:t>The Significance of Dark Mode in App Design and User Retention</a:t>
+            </a:r>
+            <a:r>
+              <a:rPr lang="en-US" sz="1800" b="0" i="0" u="none" strike="noStrike" baseline="0" dirty="0">
+                <a:solidFill>
+                  <a:srgbClr val="000000"/>
+                </a:solidFill>
+                <a:latin typeface="LMRoman12-Regular-Identity-H"/>
+              </a:rPr>
+              <a:t>,</a:t>
+            </a:r>
+            <a:r>
+              <a:rPr lang="ro-RO" sz="1800" b="0" i="0" u="none" strike="noStrike" baseline="0" dirty="0">
+                <a:solidFill>
+                  <a:srgbClr val="000000"/>
+                </a:solidFill>
+                <a:latin typeface="LMRoman12-Regular-Identity-H"/>
+              </a:rPr>
+              <a:t> </a:t>
+            </a:r>
+            <a:r>
+              <a:rPr lang="en-US" sz="1800" b="0" i="0" u="none" strike="noStrike" baseline="0" dirty="0">
+                <a:solidFill>
+                  <a:srgbClr val="000000"/>
+                </a:solidFill>
+                <a:latin typeface="LMRoman12-Regular-Identity-H"/>
+              </a:rPr>
+              <a:t>2023, </a:t>
+            </a:r>
+            <a:r>
+              <a:rPr lang="en-US" sz="1800" b="0" i="0" u="none" strike="noStrike" baseline="0" dirty="0">
+                <a:solidFill>
+                  <a:srgbClr val="000000"/>
+                </a:solidFill>
+                <a:latin typeface="LMRomanCaps10-Regular-Identity-H"/>
+              </a:rPr>
+              <a:t>url</a:t>
+            </a:r>
+            <a:r>
+              <a:rPr lang="en-US" sz="1800" b="0" i="0" u="none" strike="noStrike" baseline="0" dirty="0">
+                <a:solidFill>
+                  <a:srgbClr val="000000"/>
+                </a:solidFill>
+                <a:latin typeface="LMRoman12-Regular-Identity-H"/>
+              </a:rPr>
+              <a:t>: </a:t>
+            </a:r>
+            <a:r>
+              <a:rPr lang="en-US" sz="1800" b="0" i="0" u="none" strike="noStrike" baseline="0" dirty="0">
+                <a:solidFill>
+                  <a:srgbClr val="0000FF"/>
+                </a:solidFill>
+                <a:latin typeface="LMMono12-Regular-Identity-H"/>
+              </a:rPr>
+              <a:t>https://www.shyftup.com/blog/the-significance-of-dark-modein-app-design-and-user-retention/ </a:t>
+            </a:r>
+            <a:r>
+              <a:rPr lang="en-US" sz="1800" b="0" i="0" u="none" strike="noStrike" baseline="0" dirty="0">
+                <a:solidFill>
+                  <a:srgbClr val="000000"/>
+                </a:solidFill>
+                <a:latin typeface="LMRoman12-Regular-Identity-H"/>
+              </a:rPr>
+              <a:t>(</a:t>
+            </a:r>
+            <a:r>
+              <a:rPr lang="en-US" sz="1800" b="0" i="0" u="none" strike="noStrike" baseline="0" dirty="0" err="1">
+                <a:solidFill>
+                  <a:srgbClr val="000000"/>
+                </a:solidFill>
+                <a:latin typeface="LMRoman12-Regular-Identity-H"/>
+              </a:rPr>
+              <a:t>accesat</a:t>
+            </a:r>
+            <a:r>
+              <a:rPr lang="en-US" sz="1800" b="0" i="0" u="none" strike="noStrike" baseline="0" dirty="0">
+                <a:solidFill>
+                  <a:srgbClr val="000000"/>
+                </a:solidFill>
+                <a:latin typeface="LMRoman12-Regular-Identity-H"/>
+              </a:rPr>
+              <a:t> </a:t>
+            </a:r>
+            <a:r>
+              <a:rPr lang="en-US" sz="1800" b="0" i="0" u="none" strike="noStrike" baseline="0" dirty="0" err="1">
+                <a:solidFill>
+                  <a:srgbClr val="000000"/>
+                </a:solidFill>
+                <a:latin typeface="LMRoman12-Regular-Identity-H"/>
+              </a:rPr>
+              <a:t>în</a:t>
+            </a:r>
+            <a:r>
+              <a:rPr lang="en-US" sz="1800" b="0" i="0" u="none" strike="noStrike" baseline="0" dirty="0">
+                <a:solidFill>
+                  <a:srgbClr val="000000"/>
+                </a:solidFill>
+                <a:latin typeface="LMRoman12-Regular-Identity-H"/>
+              </a:rPr>
+              <a:t> 1.6.2024).</a:t>
+            </a:r>
+            <a:endParaRPr lang="ro-RO" sz="1800" dirty="0">
+              <a:solidFill>
+                <a:srgbClr val="000000"/>
+              </a:solidFill>
+              <a:latin typeface="LMRoman12-Regular-Identity-H"/>
+            </a:endParaRPr>
+          </a:p>
+          <a:p>
+            <a:pPr marL="342900" indent="-342900" algn="l">
+              <a:buFont typeface="+mj-lt"/>
+              <a:buAutoNum type="arabicPeriod"/>
+            </a:pPr>
+            <a:endParaRPr lang="ro-RO" sz="1800" b="0" i="0" u="none" strike="noStrike" baseline="0" dirty="0">
+              <a:solidFill>
+                <a:srgbClr val="000000"/>
+              </a:solidFill>
+              <a:latin typeface="LMRoman12-Regular-Identity-H"/>
+            </a:endParaRPr>
+          </a:p>
+          <a:p>
+            <a:pPr marL="342900" indent="-342900" algn="l">
+              <a:buFont typeface="+mj-lt"/>
+              <a:buAutoNum type="arabicPeriod"/>
+            </a:pPr>
+            <a:r>
+              <a:rPr lang="en-US" sz="1800" b="0" i="0" u="none" strike="noStrike" baseline="0" dirty="0">
+                <a:solidFill>
+                  <a:srgbClr val="000000"/>
+                </a:solidFill>
+                <a:latin typeface="LMRoman12-Regular-Identity-H"/>
+              </a:rPr>
+              <a:t>Herbert </a:t>
+            </a:r>
+            <a:r>
+              <a:rPr lang="en-US" sz="1800" b="0" i="0" u="none" strike="noStrike" baseline="0" dirty="0" err="1">
+                <a:solidFill>
+                  <a:srgbClr val="000000"/>
+                </a:solidFill>
+                <a:latin typeface="LMRoman12-Regular-Identity-H"/>
+              </a:rPr>
+              <a:t>Schildt</a:t>
+            </a:r>
+            <a:r>
+              <a:rPr lang="en-US" sz="1800" b="0" i="0" u="none" strike="noStrike" baseline="0" dirty="0">
+                <a:solidFill>
+                  <a:srgbClr val="000000"/>
+                </a:solidFill>
+                <a:latin typeface="LMRoman12-Regular-Identity-H"/>
+              </a:rPr>
+              <a:t>, </a:t>
+            </a:r>
+            <a:r>
+              <a:rPr lang="en-US" sz="1800" b="0" i="1" u="none" strike="noStrike" baseline="0" dirty="0">
+                <a:solidFill>
+                  <a:srgbClr val="000000"/>
+                </a:solidFill>
+                <a:latin typeface="LMRoman12-Italic-Identity-H"/>
+              </a:rPr>
+              <a:t>JAVA The Complete Reference Ninth Edition</a:t>
+            </a:r>
+            <a:r>
+              <a:rPr lang="en-US" sz="1800" b="0" i="0" u="none" strike="noStrike" baseline="0" dirty="0">
+                <a:solidFill>
+                  <a:srgbClr val="000000"/>
+                </a:solidFill>
+                <a:latin typeface="LMRoman12-Regular-Identity-H"/>
+              </a:rPr>
+              <a:t>, 2014,</a:t>
+            </a:r>
+            <a:r>
+              <a:rPr lang="ro-RO" sz="1800" dirty="0">
+                <a:solidFill>
+                  <a:srgbClr val="000000"/>
+                </a:solidFill>
+                <a:latin typeface="LMRoman12-Regular-Identity-H"/>
+              </a:rPr>
+              <a:t> </a:t>
+            </a:r>
+            <a:r>
+              <a:rPr lang="en-US" sz="1800" b="0" i="0" u="none" strike="noStrike" baseline="0" dirty="0">
+                <a:solidFill>
+                  <a:srgbClr val="000000"/>
+                </a:solidFill>
+                <a:latin typeface="LMRomanCaps10-Regular-Identity-H"/>
+              </a:rPr>
+              <a:t>url</a:t>
+            </a:r>
+            <a:r>
+              <a:rPr lang="en-US" sz="1800" b="0" i="0" u="none" strike="noStrike" baseline="0" dirty="0">
+                <a:solidFill>
+                  <a:srgbClr val="000000"/>
+                </a:solidFill>
+                <a:latin typeface="LMRoman12-Regular-Identity-H"/>
+              </a:rPr>
+              <a:t>:</a:t>
+            </a:r>
+            <a:r>
+              <a:rPr lang="en-US" sz="1800" b="0" i="0" u="none" strike="noStrike" baseline="0" dirty="0">
+                <a:solidFill>
+                  <a:srgbClr val="0000FF"/>
+                </a:solidFill>
+                <a:latin typeface="LMMono12-Regular-Identity-H"/>
+              </a:rPr>
+              <a:t>https:</a:t>
+            </a:r>
+            <a:r>
+              <a:rPr lang="it-IT" sz="1800" b="0" i="0" u="none" strike="noStrike" baseline="0" dirty="0">
+                <a:solidFill>
+                  <a:srgbClr val="0000FF"/>
+                </a:solidFill>
+                <a:latin typeface="LMMono12-Regular-Identity-H"/>
+              </a:rPr>
+              <a:t>//www.sietk.org/downloads/javabook.pdf </a:t>
+            </a:r>
+            <a:r>
+              <a:rPr lang="it-IT" sz="1800" b="0" i="0" u="none" strike="noStrike" baseline="0" dirty="0">
+                <a:solidFill>
+                  <a:srgbClr val="000000"/>
+                </a:solidFill>
+                <a:latin typeface="LMRoman12-Regular-Identity-H"/>
+              </a:rPr>
+              <a:t>(accesat în 31.5.2024).</a:t>
+            </a:r>
+            <a:endParaRPr lang="ro-RO" sz="1800" dirty="0">
+              <a:solidFill>
+                <a:srgbClr val="000000"/>
+              </a:solidFill>
+              <a:latin typeface="LMRoman12-Regular-Identity-H"/>
+            </a:endParaRPr>
+          </a:p>
+          <a:p>
+            <a:pPr marL="342900" indent="-342900" algn="l">
+              <a:buFont typeface="+mj-lt"/>
+              <a:buAutoNum type="arabicPeriod"/>
+            </a:pPr>
+            <a:endParaRPr lang="ro-RO" sz="1800" b="0" i="0" u="none" strike="noStrike" baseline="0" dirty="0">
+              <a:solidFill>
+                <a:srgbClr val="000000"/>
+              </a:solidFill>
+              <a:latin typeface="LMRoman12-Regular-Identity-H"/>
+            </a:endParaRPr>
+          </a:p>
+          <a:p>
+            <a:pPr marL="342900" indent="-342900" algn="l">
+              <a:buFont typeface="+mj-lt"/>
+              <a:buAutoNum type="arabicPeriod"/>
+            </a:pPr>
+            <a:r>
+              <a:rPr lang="en-US" sz="1800" b="0" i="0" u="none" strike="noStrike" baseline="0" dirty="0" err="1">
+                <a:solidFill>
+                  <a:srgbClr val="000000"/>
+                </a:solidFill>
+                <a:latin typeface="LMRoman12-Regular-Identity-H"/>
+              </a:rPr>
+              <a:t>Mr.K.J.Sharma</a:t>
+            </a:r>
+            <a:r>
+              <a:rPr lang="en-US" sz="1800" b="0" i="0" u="none" strike="noStrike" baseline="0" dirty="0">
+                <a:solidFill>
+                  <a:srgbClr val="000000"/>
+                </a:solidFill>
+                <a:latin typeface="LMRoman12-Regular-Identity-H"/>
+              </a:rPr>
+              <a:t>, </a:t>
+            </a:r>
+            <a:r>
+              <a:rPr lang="en-US" sz="1800" b="0" i="1" u="none" strike="noStrike" baseline="0" dirty="0">
+                <a:solidFill>
+                  <a:srgbClr val="000000"/>
+                </a:solidFill>
+                <a:latin typeface="LMRoman12-Italic-Identity-H"/>
+              </a:rPr>
+              <a:t>WEB APPLICATION DEVELOPMENT</a:t>
+            </a:r>
+            <a:r>
+              <a:rPr lang="en-US" sz="1800" b="0" i="0" u="none" strike="noStrike" baseline="0" dirty="0">
+                <a:solidFill>
+                  <a:srgbClr val="000000"/>
+                </a:solidFill>
+                <a:latin typeface="LMRoman12-Regular-Identity-H"/>
+              </a:rPr>
+              <a:t>, 2015, </a:t>
+            </a:r>
+            <a:r>
+              <a:rPr lang="en-US" sz="1800" b="0" i="0" u="none" strike="noStrike" baseline="0" dirty="0">
+                <a:solidFill>
+                  <a:srgbClr val="000000"/>
+                </a:solidFill>
+                <a:latin typeface="LMRomanCaps10-Regular-Identity-H"/>
+              </a:rPr>
+              <a:t>url</a:t>
+            </a:r>
+            <a:r>
+              <a:rPr lang="en-US" sz="1800" b="0" i="0" u="none" strike="noStrike" baseline="0" dirty="0">
+                <a:solidFill>
+                  <a:srgbClr val="000000"/>
+                </a:solidFill>
+                <a:latin typeface="LMRoman12-Regular-Identity-H"/>
+              </a:rPr>
+              <a:t>: </a:t>
+            </a:r>
+            <a:r>
+              <a:rPr lang="en-US" sz="1800" b="0" i="0" u="none" strike="noStrike" baseline="0" dirty="0">
+                <a:solidFill>
+                  <a:srgbClr val="0000FF"/>
+                </a:solidFill>
+                <a:latin typeface="LMMono12-Regular-Identity-H"/>
+                <a:hlinkClick r:id="rId4"/>
+              </a:rPr>
+              <a:t>https://baou.edu.in/assets/pdf/PGDCA-202_slm.pdf</a:t>
+            </a:r>
+            <a:r>
+              <a:rPr lang="ro-RO" sz="1800" b="0" i="0" u="none" strike="noStrike" baseline="0" dirty="0">
+                <a:solidFill>
+                  <a:srgbClr val="0000FF"/>
+                </a:solidFill>
+                <a:latin typeface="LMMono12-Regular-Identity-H"/>
+              </a:rPr>
+              <a:t> </a:t>
+            </a:r>
+            <a:r>
+              <a:rPr lang="en-US" sz="1800" b="0" i="0" u="none" strike="noStrike" baseline="0" dirty="0">
+                <a:solidFill>
+                  <a:srgbClr val="000000"/>
+                </a:solidFill>
+                <a:latin typeface="LMRoman12-Regular-Identity-H"/>
+              </a:rPr>
+              <a:t>(</a:t>
+            </a:r>
+            <a:r>
+              <a:rPr lang="en-US" sz="1800" b="0" i="0" u="none" strike="noStrike" baseline="0" dirty="0" err="1">
+                <a:solidFill>
+                  <a:srgbClr val="000000"/>
+                </a:solidFill>
+                <a:latin typeface="LMRoman12-Regular-Identity-H"/>
+              </a:rPr>
+              <a:t>accesat</a:t>
+            </a:r>
+            <a:r>
+              <a:rPr lang="en-US" sz="1800" b="0" i="0" u="none" strike="noStrike" baseline="0" dirty="0">
+                <a:solidFill>
+                  <a:srgbClr val="000000"/>
+                </a:solidFill>
+                <a:latin typeface="LMRoman12-Regular-Identity-H"/>
+              </a:rPr>
+              <a:t> </a:t>
+            </a:r>
+            <a:r>
+              <a:rPr lang="en-US" sz="1800" b="0" i="0" u="none" strike="noStrike" baseline="0" dirty="0" err="1">
+                <a:solidFill>
+                  <a:srgbClr val="000000"/>
+                </a:solidFill>
+                <a:latin typeface="LMRoman12-Regular-Identity-H"/>
+              </a:rPr>
+              <a:t>în</a:t>
+            </a:r>
+            <a:r>
+              <a:rPr lang="en-US" sz="1800" b="0" i="0" u="none" strike="noStrike" baseline="0" dirty="0">
+                <a:solidFill>
+                  <a:srgbClr val="000000"/>
+                </a:solidFill>
+                <a:latin typeface="LMRoman12-Regular-Identity-H"/>
+              </a:rPr>
+              <a:t> 31.5.2024).</a:t>
+            </a:r>
+            <a:endParaRPr lang="en-US" dirty="0"/>
+          </a:p>
+        </p:txBody>
+      </p:sp>
+    </p:spTree>
+    <p:extLst>
+      <p:ext uri="{BB962C8B-B14F-4D97-AF65-F5344CB8AC3E}">
+        <p14:creationId xmlns:p14="http://schemas.microsoft.com/office/powerpoint/2010/main" val="476862532"/>
+      </p:ext>
+    </p:extLst>
+  </p:cSld>
+  <p:clrMapOvr>
+    <a:masterClrMapping/>
+  </p:clrMapOvr>
+</p:sld>
+</file>
+
+<file path=ppt/slides/slide11.xml><?xml version="1.0" encoding="utf-8"?>
+<p:sld xmlns:a="http://schemas.openxmlformats.org/drawingml/2006/main" xmlns:r="http://schemas.openxmlformats.org/officeDocument/2006/relationships" xmlns:p="http://schemas.openxmlformats.org/presentationml/2006/main">
+  <p:cSld>
+    <p:spTree>
+      <p:nvGrpSpPr>
+        <p:cNvPr id="1" name=""/>
+        <p:cNvGrpSpPr/>
+        <p:nvPr/>
+      </p:nvGrpSpPr>
+      <p:grpSpPr>
+        <a:xfrm>
+          <a:off x="0" y="0"/>
+          <a:ext cx="0" cy="0"/>
+          <a:chOff x="0" y="0"/>
+          <a:chExt cx="0" cy="0"/>
+        </a:xfrm>
+      </p:grpSpPr>
+      <p:sp>
+        <p:nvSpPr>
+          <p:cNvPr id="7" name="Title 6">
+            <a:extLst>
+              <a:ext uri="{FF2B5EF4-FFF2-40B4-BE49-F238E27FC236}">
+                <a16:creationId xmlns:a16="http://schemas.microsoft.com/office/drawing/2014/main" id="{81C753FD-96EC-101A-B8A4-5F69A189BEF4}"/>
+              </a:ext>
+            </a:extLst>
+          </p:cNvPr>
+          <p:cNvSpPr>
+            <a:spLocks noGrp="1"/>
+          </p:cNvSpPr>
+          <p:nvPr>
+            <p:ph type="ctrTitle"/>
+          </p:nvPr>
+        </p:nvSpPr>
+        <p:spPr>
+          <a:xfrm>
+            <a:off x="1167494" y="252549"/>
+            <a:ext cx="6220278" cy="3262811"/>
+          </a:xfrm>
+        </p:spPr>
+        <p:txBody>
+          <a:bodyPr/>
+          <a:lstStyle/>
+          <a:p>
+            <a:r>
+              <a:rPr lang="ro-RO" dirty="0"/>
+              <a:t>Vă mulțumesc!</a:t>
+            </a:r>
+            <a:endParaRPr lang="en-US" dirty="0"/>
+          </a:p>
+        </p:txBody>
+      </p:sp>
+      <p:sp>
+        <p:nvSpPr>
+          <p:cNvPr id="5" name="Subtitle 4">
+            <a:extLst>
+              <a:ext uri="{FF2B5EF4-FFF2-40B4-BE49-F238E27FC236}">
+                <a16:creationId xmlns:a16="http://schemas.microsoft.com/office/drawing/2014/main" id="{67BB04B7-47A4-741B-59E0-F0E6F2126E8F}"/>
+              </a:ext>
+            </a:extLst>
+          </p:cNvPr>
+          <p:cNvSpPr>
+            <a:spLocks noGrp="1"/>
+          </p:cNvSpPr>
+          <p:nvPr>
+            <p:ph type="subTitle" idx="1"/>
+          </p:nvPr>
+        </p:nvSpPr>
+        <p:spPr>
+          <a:xfrm>
+            <a:off x="2917371" y="3685939"/>
+            <a:ext cx="4470399" cy="2919512"/>
+          </a:xfrm>
+        </p:spPr>
+        <p:txBody>
+          <a:bodyPr/>
+          <a:lstStyle/>
+          <a:p>
+            <a:r>
+              <a:rPr lang="ro-RO" dirty="0"/>
+              <a:t>...și urmează demo-ul! </a:t>
+            </a:r>
+            <a:r>
+              <a:rPr lang="ro-RO" dirty="0">
+                <a:sym typeface="Wingdings" panose="05000000000000000000" pitchFamily="2" charset="2"/>
+              </a:rPr>
+              <a:t></a:t>
+            </a:r>
+            <a:r>
+              <a:rPr lang="ro-RO" dirty="0"/>
+              <a:t> </a:t>
+            </a:r>
+            <a:endParaRPr lang="en-US" dirty="0"/>
+          </a:p>
+        </p:txBody>
+      </p:sp>
+    </p:spTree>
+    <p:extLst>
+      <p:ext uri="{BB962C8B-B14F-4D97-AF65-F5344CB8AC3E}">
+        <p14:creationId xmlns:p14="http://schemas.microsoft.com/office/powerpoint/2010/main" val="1609673525"/>
+      </p:ext>
+    </p:extLst>
+  </p:cSld>
+  <p:clrMapOvr>
+    <a:masterClrMapping/>
+  </p:clrMapOvr>
+</p:sld>
+</file>
+
 <file path=ppt/slides/slide2.xml><?xml version="1.0" encoding="utf-8"?>
 <p:sld xmlns:a="http://schemas.openxmlformats.org/drawingml/2006/main" xmlns:r="http://schemas.openxmlformats.org/officeDocument/2006/relationships" xmlns:p="http://schemas.openxmlformats.org/presentationml/2006/main">
   <p:cSld>
@@ -10595,8 +11528,8 @@
         </p:nvSpPr>
         <p:spPr>
           <a:xfrm>
-            <a:off x="2911929" y="283028"/>
-            <a:ext cx="8137071" cy="1300843"/>
+            <a:off x="2427515" y="283028"/>
+            <a:ext cx="8621486" cy="1300843"/>
           </a:xfrm>
         </p:spPr>
         <p:txBody>
@@ -10609,7 +11542,15 @@
             </a:r>
             <a:r>
               <a:rPr lang="ro-RO" dirty="0"/>
-              <a:t>ția lucrării</a:t>
+              <a:t>ția </a:t>
+            </a:r>
+            <a:r>
+              <a:rPr lang="en-US" dirty="0" err="1"/>
+              <a:t>aplica</a:t>
+            </a:r>
+            <a:r>
+              <a:rPr lang="ro-RO" dirty="0"/>
+              <a:t>ției</a:t>
             </a:r>
             <a:endParaRPr lang="en-US" dirty="0"/>
           </a:p>
@@ -10630,7 +11571,7 @@
         <p:spPr>
           <a:xfrm>
             <a:off x="1415143" y="1834243"/>
-            <a:ext cx="9476014" cy="3200876"/>
+            <a:ext cx="9476014" cy="2708434"/>
           </a:xfrm>
           <a:prstGeom prst="rect">
             <a:avLst/>
@@ -10649,7 +11590,7 @@
             </a:pPr>
             <a:r>
               <a:rPr lang="ro-RO" sz="3200" dirty="0"/>
-              <a:t>Punctul de plecare al acestei aplicații l-a reprezentat dorința de a scăpa de problemele inutile ale venirii la birou (????)</a:t>
+              <a:t>Necesitatea de a scăpa de problemele inutile ale venirii la birou</a:t>
             </a:r>
           </a:p>
           <a:p>
@@ -10906,10 +11847,10 @@
       </p:grpSpPr>
       <p:sp>
         <p:nvSpPr>
-          <p:cNvPr id="7" name="Title 6">
+          <p:cNvPr id="2" name="Title 1">
             <a:extLst>
               <a:ext uri="{FF2B5EF4-FFF2-40B4-BE49-F238E27FC236}">
-                <a16:creationId xmlns:a16="http://schemas.microsoft.com/office/drawing/2014/main" id="{81C753FD-96EC-101A-B8A4-5F69A189BEF4}"/>
+                <a16:creationId xmlns:a16="http://schemas.microsoft.com/office/drawing/2014/main" id="{512931C1-6E1A-D587-8884-97802D795963}"/>
               </a:ext>
             </a:extLst>
           </p:cNvPr>
@@ -10917,13 +11858,13 @@
             <a:spLocks noGrp="1"/>
           </p:cNvSpPr>
           <p:nvPr>
-            <p:ph type="ctrTitle"/>
+            <p:ph type="title"/>
           </p:nvPr>
         </p:nvSpPr>
         <p:spPr>
           <a:xfrm>
-            <a:off x="1167494" y="252549"/>
-            <a:ext cx="6220278" cy="3262811"/>
+            <a:off x="7919357" y="1812469"/>
+            <a:ext cx="2552700" cy="1115786"/>
           </a:xfrm>
         </p:spPr>
         <p:txBody>
@@ -10931,18 +11872,660 @@
           <a:lstStyle/>
           <a:p>
             <a:r>
-              <a:rPr lang="en-US" dirty="0"/>
-              <a:t>Thank you</a:t>
-            </a:r>
+              <a:rPr lang="ro-RO" sz="2000" dirty="0"/>
+              <a:t>Pagina principală</a:t>
+            </a:r>
+            <a:endParaRPr lang="en-US" sz="2000" dirty="0"/>
           </a:p>
         </p:txBody>
       </p:sp>
       <p:sp>
         <p:nvSpPr>
-          <p:cNvPr id="5" name="Subtitle 4">
+          <p:cNvPr id="6" name="TextBox 5">
             <a:extLst>
               <a:ext uri="{FF2B5EF4-FFF2-40B4-BE49-F238E27FC236}">
-                <a16:creationId xmlns:a16="http://schemas.microsoft.com/office/drawing/2014/main" id="{67BB04B7-47A4-741B-59E0-F0E6F2126E8F}"/>
+                <a16:creationId xmlns:a16="http://schemas.microsoft.com/office/drawing/2014/main" id="{A1CEE5D0-4D05-2429-E503-45C77E1F279B}"/>
+              </a:ext>
+            </a:extLst>
+          </p:cNvPr>
+          <p:cNvSpPr txBox="1"/>
+          <p:nvPr/>
+        </p:nvSpPr>
+        <p:spPr>
+          <a:xfrm>
+            <a:off x="2873829" y="152399"/>
+            <a:ext cx="8360228" cy="923330"/>
+          </a:xfrm>
+          <a:prstGeom prst="rect">
+            <a:avLst/>
+          </a:prstGeom>
+          <a:noFill/>
+        </p:spPr>
+        <p:txBody>
+          <a:bodyPr wrap="square" rtlCol="0">
+            <a:spAutoFit/>
+          </a:bodyPr>
+          <a:lstStyle/>
+          <a:p>
+            <a:r>
+              <a:rPr lang="ro-RO" sz="5400" b="1" dirty="0">
+                <a:latin typeface="+mj-lt"/>
+                <a:ea typeface="+mj-ea"/>
+                <a:cs typeface="+mj-cs"/>
+              </a:rPr>
+              <a:t>Prezentarea </a:t>
+            </a:r>
+            <a:r>
+              <a:rPr lang="en-US" sz="5400" b="1" dirty="0" err="1">
+                <a:latin typeface="+mj-lt"/>
+                <a:ea typeface="+mj-ea"/>
+                <a:cs typeface="+mj-cs"/>
+              </a:rPr>
+              <a:t>aplica</a:t>
+            </a:r>
+            <a:r>
+              <a:rPr lang="ro-RO" sz="5400" b="1" dirty="0">
+                <a:latin typeface="+mj-lt"/>
+                <a:ea typeface="+mj-ea"/>
+                <a:cs typeface="+mj-cs"/>
+              </a:rPr>
+              <a:t>ției</a:t>
+            </a:r>
+            <a:endParaRPr lang="en-US" sz="5400" b="1" dirty="0">
+              <a:latin typeface="+mj-lt"/>
+              <a:ea typeface="+mj-ea"/>
+              <a:cs typeface="+mj-cs"/>
+            </a:endParaRPr>
+          </a:p>
+        </p:txBody>
+      </p:sp>
+      <p:pic>
+        <p:nvPicPr>
+          <p:cNvPr id="8" name="Picture 7">
+            <a:extLst>
+              <a:ext uri="{FF2B5EF4-FFF2-40B4-BE49-F238E27FC236}">
+                <a16:creationId xmlns:a16="http://schemas.microsoft.com/office/drawing/2014/main" id="{7BC735F6-ED03-6DB7-E4A3-A40E7A8D5345}"/>
+              </a:ext>
+            </a:extLst>
+          </p:cNvPr>
+          <p:cNvPicPr>
+            <a:picLocks noChangeAspect="1"/>
+          </p:cNvPicPr>
+          <p:nvPr/>
+        </p:nvPicPr>
+        <p:blipFill>
+          <a:blip r:embed="rId2"/>
+          <a:stretch>
+            <a:fillRect/>
+          </a:stretch>
+        </p:blipFill>
+        <p:spPr>
+          <a:xfrm>
+            <a:off x="5051163" y="3929745"/>
+            <a:ext cx="6792494" cy="2522534"/>
+          </a:xfrm>
+          <a:prstGeom prst="rect">
+            <a:avLst/>
+          </a:prstGeom>
+        </p:spPr>
+      </p:pic>
+      <p:pic>
+        <p:nvPicPr>
+          <p:cNvPr id="10" name="Picture 9">
+            <a:extLst>
+              <a:ext uri="{FF2B5EF4-FFF2-40B4-BE49-F238E27FC236}">
+                <a16:creationId xmlns:a16="http://schemas.microsoft.com/office/drawing/2014/main" id="{C7A805C9-BBB9-E49E-69C8-621CEF58773F}"/>
+              </a:ext>
+            </a:extLst>
+          </p:cNvPr>
+          <p:cNvPicPr>
+            <a:picLocks noChangeAspect="1"/>
+          </p:cNvPicPr>
+          <p:nvPr/>
+        </p:nvPicPr>
+        <p:blipFill>
+          <a:blip r:embed="rId3"/>
+          <a:stretch>
+            <a:fillRect/>
+          </a:stretch>
+        </p:blipFill>
+        <p:spPr>
+          <a:xfrm>
+            <a:off x="789024" y="1298122"/>
+            <a:ext cx="6885404" cy="2488003"/>
+          </a:xfrm>
+          <a:prstGeom prst="rect">
+            <a:avLst/>
+          </a:prstGeom>
+        </p:spPr>
+      </p:pic>
+      <p:sp>
+        <p:nvSpPr>
+          <p:cNvPr id="14" name="TextBox 13">
+            <a:extLst>
+              <a:ext uri="{FF2B5EF4-FFF2-40B4-BE49-F238E27FC236}">
+                <a16:creationId xmlns:a16="http://schemas.microsoft.com/office/drawing/2014/main" id="{45926323-27B5-0304-83A3-3E3403E3230D}"/>
+              </a:ext>
+            </a:extLst>
+          </p:cNvPr>
+          <p:cNvSpPr txBox="1"/>
+          <p:nvPr/>
+        </p:nvSpPr>
+        <p:spPr>
+          <a:xfrm>
+            <a:off x="2177143" y="4610101"/>
+            <a:ext cx="2677886" cy="707886"/>
+          </a:xfrm>
+          <a:prstGeom prst="rect">
+            <a:avLst/>
+          </a:prstGeom>
+          <a:noFill/>
+        </p:spPr>
+        <p:txBody>
+          <a:bodyPr wrap="square" rtlCol="0">
+            <a:spAutoFit/>
+          </a:bodyPr>
+          <a:lstStyle/>
+          <a:p>
+            <a:r>
+              <a:rPr lang="ro-RO" sz="2000" b="1" dirty="0"/>
+              <a:t>Dark mode-ul pentru </a:t>
+            </a:r>
+          </a:p>
+          <a:p>
+            <a:r>
+              <a:rPr lang="ro-RO" sz="2000" b="1" dirty="0"/>
+              <a:t>pagina principală</a:t>
+            </a:r>
+            <a:endParaRPr lang="en-US" sz="2000" b="1" dirty="0"/>
+          </a:p>
+        </p:txBody>
+      </p:sp>
+    </p:spTree>
+    <p:extLst>
+      <p:ext uri="{BB962C8B-B14F-4D97-AF65-F5344CB8AC3E}">
+        <p14:creationId xmlns:p14="http://schemas.microsoft.com/office/powerpoint/2010/main" val="309041232"/>
+      </p:ext>
+    </p:extLst>
+  </p:cSld>
+  <p:clrMapOvr>
+    <a:masterClrMapping/>
+  </p:clrMapOvr>
+</p:sld>
+</file>
+
+<file path=ppt/slides/slide6.xml><?xml version="1.0" encoding="utf-8"?>
+<p:sld xmlns:a="http://schemas.openxmlformats.org/drawingml/2006/main" xmlns:r="http://schemas.openxmlformats.org/officeDocument/2006/relationships" xmlns:p="http://schemas.openxmlformats.org/presentationml/2006/main">
+  <p:cSld>
+    <p:spTree>
+      <p:nvGrpSpPr>
+        <p:cNvPr id="1" name=""/>
+        <p:cNvGrpSpPr/>
+        <p:nvPr/>
+      </p:nvGrpSpPr>
+      <p:grpSpPr>
+        <a:xfrm>
+          <a:off x="0" y="0"/>
+          <a:ext cx="0" cy="0"/>
+          <a:chOff x="0" y="0"/>
+          <a:chExt cx="0" cy="0"/>
+        </a:xfrm>
+      </p:grpSpPr>
+      <p:sp>
+        <p:nvSpPr>
+          <p:cNvPr id="2" name="Title 1">
+            <a:extLst>
+              <a:ext uri="{FF2B5EF4-FFF2-40B4-BE49-F238E27FC236}">
+                <a16:creationId xmlns:a16="http://schemas.microsoft.com/office/drawing/2014/main" id="{24E317AD-78A9-EAA5-2690-B8E1E673BCF2}"/>
+              </a:ext>
+            </a:extLst>
+          </p:cNvPr>
+          <p:cNvSpPr>
+            <a:spLocks noGrp="1"/>
+          </p:cNvSpPr>
+          <p:nvPr>
+            <p:ph type="title"/>
+          </p:nvPr>
+        </p:nvSpPr>
+        <p:spPr>
+          <a:xfrm>
+            <a:off x="2166257" y="789213"/>
+            <a:ext cx="8771790" cy="642257"/>
+          </a:xfrm>
+        </p:spPr>
+        <p:txBody>
+          <a:bodyPr/>
+          <a:lstStyle/>
+          <a:p>
+            <a:r>
+              <a:rPr lang="ro-RO" sz="5400" b="1" dirty="0">
+                <a:latin typeface="+mj-lt"/>
+                <a:ea typeface="+mj-ea"/>
+                <a:cs typeface="+mj-cs"/>
+              </a:rPr>
+              <a:t>Prezentarea </a:t>
+            </a:r>
+            <a:r>
+              <a:rPr lang="en-US" sz="5400" b="1" dirty="0" err="1">
+                <a:latin typeface="+mj-lt"/>
+                <a:ea typeface="+mj-ea"/>
+                <a:cs typeface="+mj-cs"/>
+              </a:rPr>
+              <a:t>aplica</a:t>
+            </a:r>
+            <a:r>
+              <a:rPr lang="ro-RO" sz="5400" b="1" dirty="0">
+                <a:latin typeface="+mj-lt"/>
+                <a:ea typeface="+mj-ea"/>
+                <a:cs typeface="+mj-cs"/>
+              </a:rPr>
+              <a:t>ției</a:t>
+            </a:r>
+            <a:br>
+              <a:rPr lang="en-US" sz="4400" b="1" dirty="0">
+                <a:latin typeface="+mj-lt"/>
+                <a:ea typeface="+mj-ea"/>
+                <a:cs typeface="+mj-cs"/>
+              </a:rPr>
+            </a:br>
+            <a:endParaRPr lang="en-US" dirty="0"/>
+          </a:p>
+        </p:txBody>
+      </p:sp>
+      <p:pic>
+        <p:nvPicPr>
+          <p:cNvPr id="5" name="Content Placeholder 4">
+            <a:extLst>
+              <a:ext uri="{FF2B5EF4-FFF2-40B4-BE49-F238E27FC236}">
+                <a16:creationId xmlns:a16="http://schemas.microsoft.com/office/drawing/2014/main" id="{3832D737-FCDF-28F5-99F5-5D3B974B4195}"/>
+              </a:ext>
+            </a:extLst>
+          </p:cNvPr>
+          <p:cNvPicPr>
+            <a:picLocks noGrp="1" noChangeAspect="1"/>
+          </p:cNvPicPr>
+          <p:nvPr>
+            <p:ph idx="1"/>
+          </p:nvPr>
+        </p:nvPicPr>
+        <p:blipFill>
+          <a:blip r:embed="rId2"/>
+          <a:stretch>
+            <a:fillRect/>
+          </a:stretch>
+        </p:blipFill>
+        <p:spPr>
+          <a:xfrm>
+            <a:off x="1178627" y="1262742"/>
+            <a:ext cx="9739495" cy="4310744"/>
+          </a:xfrm>
+        </p:spPr>
+      </p:pic>
+      <p:sp>
+        <p:nvSpPr>
+          <p:cNvPr id="6" name="TextBox 5">
+            <a:extLst>
+              <a:ext uri="{FF2B5EF4-FFF2-40B4-BE49-F238E27FC236}">
+                <a16:creationId xmlns:a16="http://schemas.microsoft.com/office/drawing/2014/main" id="{1995D67E-C578-4C1F-73A3-635B7399E495}"/>
+              </a:ext>
+            </a:extLst>
+          </p:cNvPr>
+          <p:cNvSpPr txBox="1"/>
+          <p:nvPr/>
+        </p:nvSpPr>
+        <p:spPr>
+          <a:xfrm>
+            <a:off x="4782909" y="5785757"/>
+            <a:ext cx="2530929" cy="400110"/>
+          </a:xfrm>
+          <a:prstGeom prst="rect">
+            <a:avLst/>
+          </a:prstGeom>
+          <a:noFill/>
+        </p:spPr>
+        <p:txBody>
+          <a:bodyPr wrap="square" rtlCol="0">
+            <a:spAutoFit/>
+          </a:bodyPr>
+          <a:lstStyle/>
+          <a:p>
+            <a:r>
+              <a:rPr lang="ro-RO" sz="2000" b="1" dirty="0"/>
+              <a:t>Existența validărilor</a:t>
+            </a:r>
+            <a:endParaRPr lang="en-US" sz="2000" b="1" dirty="0"/>
+          </a:p>
+        </p:txBody>
+      </p:sp>
+    </p:spTree>
+    <p:extLst>
+      <p:ext uri="{BB962C8B-B14F-4D97-AF65-F5344CB8AC3E}">
+        <p14:creationId xmlns:p14="http://schemas.microsoft.com/office/powerpoint/2010/main" val="4117986292"/>
+      </p:ext>
+    </p:extLst>
+  </p:cSld>
+  <p:clrMapOvr>
+    <a:masterClrMapping/>
+  </p:clrMapOvr>
+</p:sld>
+</file>
+
+<file path=ppt/slides/slide7.xml><?xml version="1.0" encoding="utf-8"?>
+<p:sld xmlns:a="http://schemas.openxmlformats.org/drawingml/2006/main" xmlns:r="http://schemas.openxmlformats.org/officeDocument/2006/relationships" xmlns:p="http://schemas.openxmlformats.org/presentationml/2006/main">
+  <p:cSld>
+    <p:spTree>
+      <p:nvGrpSpPr>
+        <p:cNvPr id="1" name=""/>
+        <p:cNvGrpSpPr/>
+        <p:nvPr/>
+      </p:nvGrpSpPr>
+      <p:grpSpPr>
+        <a:xfrm>
+          <a:off x="0" y="0"/>
+          <a:ext cx="0" cy="0"/>
+          <a:chOff x="0" y="0"/>
+          <a:chExt cx="0" cy="0"/>
+        </a:xfrm>
+      </p:grpSpPr>
+      <p:sp>
+        <p:nvSpPr>
+          <p:cNvPr id="2" name="Title 1">
+            <a:extLst>
+              <a:ext uri="{FF2B5EF4-FFF2-40B4-BE49-F238E27FC236}">
+                <a16:creationId xmlns:a16="http://schemas.microsoft.com/office/drawing/2014/main" id="{0B98C7B4-1479-E83A-8530-596EBB0DFCA3}"/>
+              </a:ext>
+            </a:extLst>
+          </p:cNvPr>
+          <p:cNvSpPr>
+            <a:spLocks noGrp="1"/>
+          </p:cNvSpPr>
+          <p:nvPr>
+            <p:ph type="title"/>
+          </p:nvPr>
+        </p:nvSpPr>
+        <p:spPr>
+          <a:xfrm>
+            <a:off x="1167491" y="1371600"/>
+            <a:ext cx="9990365" cy="4114800"/>
+          </a:xfrm>
+        </p:spPr>
+        <p:txBody>
+          <a:bodyPr/>
+          <a:lstStyle/>
+          <a:p>
+            <a:endParaRPr lang="en-US" dirty="0"/>
+          </a:p>
+        </p:txBody>
+      </p:sp>
+      <p:sp>
+        <p:nvSpPr>
+          <p:cNvPr id="4" name="TextBox 3">
+            <a:extLst>
+              <a:ext uri="{FF2B5EF4-FFF2-40B4-BE49-F238E27FC236}">
+                <a16:creationId xmlns:a16="http://schemas.microsoft.com/office/drawing/2014/main" id="{3AFAB41B-26A4-46BA-BAED-5B74CFD01EF4}"/>
+              </a:ext>
+            </a:extLst>
+          </p:cNvPr>
+          <p:cNvSpPr txBox="1"/>
+          <p:nvPr/>
+        </p:nvSpPr>
+        <p:spPr>
+          <a:xfrm>
+            <a:off x="3096985" y="-43543"/>
+            <a:ext cx="7353299" cy="923330"/>
+          </a:xfrm>
+          <a:prstGeom prst="rect">
+            <a:avLst/>
+          </a:prstGeom>
+          <a:noFill/>
+        </p:spPr>
+        <p:txBody>
+          <a:bodyPr wrap="square" rtlCol="0">
+            <a:spAutoFit/>
+          </a:bodyPr>
+          <a:lstStyle/>
+          <a:p>
+            <a:r>
+              <a:rPr lang="ro-RO" sz="5400" b="1" dirty="0">
+                <a:latin typeface="+mj-lt"/>
+                <a:ea typeface="+mj-ea"/>
+                <a:cs typeface="+mj-cs"/>
+              </a:rPr>
+              <a:t>Prezentarea </a:t>
+            </a:r>
+            <a:r>
+              <a:rPr lang="en-US" sz="5400" b="1" dirty="0" err="1">
+                <a:latin typeface="+mj-lt"/>
+                <a:ea typeface="+mj-ea"/>
+                <a:cs typeface="+mj-cs"/>
+              </a:rPr>
+              <a:t>aplica</a:t>
+            </a:r>
+            <a:r>
+              <a:rPr lang="ro-RO" sz="5400" b="1" dirty="0">
+                <a:latin typeface="+mj-lt"/>
+                <a:ea typeface="+mj-ea"/>
+                <a:cs typeface="+mj-cs"/>
+              </a:rPr>
+              <a:t>ției</a:t>
+            </a:r>
+            <a:endParaRPr lang="en-US" sz="5400" dirty="0"/>
+          </a:p>
+        </p:txBody>
+      </p:sp>
+      <p:pic>
+        <p:nvPicPr>
+          <p:cNvPr id="6" name="Picture 5">
+            <a:extLst>
+              <a:ext uri="{FF2B5EF4-FFF2-40B4-BE49-F238E27FC236}">
+                <a16:creationId xmlns:a16="http://schemas.microsoft.com/office/drawing/2014/main" id="{E9965296-6C9A-F1DF-55C6-5579838B7F94}"/>
+              </a:ext>
+            </a:extLst>
+          </p:cNvPr>
+          <p:cNvPicPr>
+            <a:picLocks noChangeAspect="1"/>
+          </p:cNvPicPr>
+          <p:nvPr/>
+        </p:nvPicPr>
+        <p:blipFill>
+          <a:blip r:embed="rId2"/>
+          <a:stretch>
+            <a:fillRect/>
+          </a:stretch>
+        </p:blipFill>
+        <p:spPr>
+          <a:xfrm>
+            <a:off x="5938156" y="1019283"/>
+            <a:ext cx="6253844" cy="2905018"/>
+          </a:xfrm>
+          <a:prstGeom prst="rect">
+            <a:avLst/>
+          </a:prstGeom>
+        </p:spPr>
+      </p:pic>
+      <p:pic>
+        <p:nvPicPr>
+          <p:cNvPr id="8" name="Picture 7">
+            <a:extLst>
+              <a:ext uri="{FF2B5EF4-FFF2-40B4-BE49-F238E27FC236}">
+                <a16:creationId xmlns:a16="http://schemas.microsoft.com/office/drawing/2014/main" id="{E62EAFC6-1260-A490-A6BF-7084CA708887}"/>
+              </a:ext>
+            </a:extLst>
+          </p:cNvPr>
+          <p:cNvPicPr>
+            <a:picLocks noChangeAspect="1"/>
+          </p:cNvPicPr>
+          <p:nvPr/>
+        </p:nvPicPr>
+        <p:blipFill>
+          <a:blip r:embed="rId3"/>
+          <a:stretch>
+            <a:fillRect/>
+          </a:stretch>
+        </p:blipFill>
+        <p:spPr>
+          <a:xfrm>
+            <a:off x="-1" y="3924300"/>
+            <a:ext cx="5938155" cy="2984818"/>
+          </a:xfrm>
+          <a:prstGeom prst="rect">
+            <a:avLst/>
+          </a:prstGeom>
+        </p:spPr>
+      </p:pic>
+      <p:pic>
+        <p:nvPicPr>
+          <p:cNvPr id="10" name="Picture 9">
+            <a:extLst>
+              <a:ext uri="{FF2B5EF4-FFF2-40B4-BE49-F238E27FC236}">
+                <a16:creationId xmlns:a16="http://schemas.microsoft.com/office/drawing/2014/main" id="{192B62CC-E11B-D442-015E-B379DA9D5046}"/>
+              </a:ext>
+            </a:extLst>
+          </p:cNvPr>
+          <p:cNvPicPr>
+            <a:picLocks noChangeAspect="1"/>
+          </p:cNvPicPr>
+          <p:nvPr/>
+        </p:nvPicPr>
+        <p:blipFill>
+          <a:blip r:embed="rId4"/>
+          <a:stretch>
+            <a:fillRect/>
+          </a:stretch>
+        </p:blipFill>
+        <p:spPr>
+          <a:xfrm>
+            <a:off x="0" y="1019281"/>
+            <a:ext cx="5938156" cy="2905019"/>
+          </a:xfrm>
+          <a:prstGeom prst="rect">
+            <a:avLst/>
+          </a:prstGeom>
+        </p:spPr>
+      </p:pic>
+      <p:pic>
+        <p:nvPicPr>
+          <p:cNvPr id="12" name="Picture 11">
+            <a:extLst>
+              <a:ext uri="{FF2B5EF4-FFF2-40B4-BE49-F238E27FC236}">
+                <a16:creationId xmlns:a16="http://schemas.microsoft.com/office/drawing/2014/main" id="{DB9F5D44-5944-B241-7365-9AB4EBD9F966}"/>
+              </a:ext>
+            </a:extLst>
+          </p:cNvPr>
+          <p:cNvPicPr>
+            <a:picLocks noChangeAspect="1"/>
+          </p:cNvPicPr>
+          <p:nvPr/>
+        </p:nvPicPr>
+        <p:blipFill>
+          <a:blip r:embed="rId5"/>
+          <a:stretch>
+            <a:fillRect/>
+          </a:stretch>
+        </p:blipFill>
+        <p:spPr>
+          <a:xfrm>
+            <a:off x="5938154" y="3924299"/>
+            <a:ext cx="6253844" cy="2973855"/>
+          </a:xfrm>
+          <a:prstGeom prst="rect">
+            <a:avLst/>
+          </a:prstGeom>
+        </p:spPr>
+      </p:pic>
+    </p:spTree>
+    <p:extLst>
+      <p:ext uri="{BB962C8B-B14F-4D97-AF65-F5344CB8AC3E}">
+        <p14:creationId xmlns:p14="http://schemas.microsoft.com/office/powerpoint/2010/main" val="1680916108"/>
+      </p:ext>
+    </p:extLst>
+  </p:cSld>
+  <p:clrMapOvr>
+    <a:masterClrMapping/>
+  </p:clrMapOvr>
+</p:sld>
+</file>
+
+<file path=ppt/slides/slide8.xml><?xml version="1.0" encoding="utf-8"?>
+<p:sld xmlns:a="http://schemas.openxmlformats.org/drawingml/2006/main" xmlns:r="http://schemas.openxmlformats.org/officeDocument/2006/relationships" xmlns:p="http://schemas.openxmlformats.org/presentationml/2006/main">
+  <p:cSld>
+    <p:spTree>
+      <p:nvGrpSpPr>
+        <p:cNvPr id="1" name=""/>
+        <p:cNvGrpSpPr/>
+        <p:nvPr/>
+      </p:nvGrpSpPr>
+      <p:grpSpPr>
+        <a:xfrm>
+          <a:off x="0" y="0"/>
+          <a:ext cx="0" cy="0"/>
+          <a:chOff x="0" y="0"/>
+          <a:chExt cx="0" cy="0"/>
+        </a:xfrm>
+      </p:grpSpPr>
+      <p:sp>
+        <p:nvSpPr>
+          <p:cNvPr id="2" name="Title 1">
+            <a:extLst>
+              <a:ext uri="{FF2B5EF4-FFF2-40B4-BE49-F238E27FC236}">
+                <a16:creationId xmlns:a16="http://schemas.microsoft.com/office/drawing/2014/main" id="{F233CB90-CFB1-3074-7ABD-BF08FCA7FCEF}"/>
+              </a:ext>
+            </a:extLst>
+          </p:cNvPr>
+          <p:cNvSpPr>
+            <a:spLocks noGrp="1"/>
+          </p:cNvSpPr>
+          <p:nvPr>
+            <p:ph type="title"/>
+          </p:nvPr>
+        </p:nvSpPr>
+        <p:spPr>
+          <a:xfrm>
+            <a:off x="1861456" y="103415"/>
+            <a:ext cx="9202783" cy="1496786"/>
+          </a:xfrm>
+        </p:spPr>
+        <p:txBody>
+          <a:bodyPr/>
+          <a:lstStyle/>
+          <a:p>
+            <a:r>
+              <a:rPr lang="ro-RO" sz="6000" b="1" dirty="0">
+                <a:latin typeface="+mj-lt"/>
+                <a:ea typeface="+mj-ea"/>
+                <a:cs typeface="+mj-cs"/>
+              </a:rPr>
+              <a:t>Prezentarea </a:t>
+            </a:r>
+            <a:r>
+              <a:rPr lang="en-US" sz="6000" b="1" dirty="0" err="1">
+                <a:latin typeface="+mj-lt"/>
+                <a:ea typeface="+mj-ea"/>
+                <a:cs typeface="+mj-cs"/>
+              </a:rPr>
+              <a:t>aplica</a:t>
+            </a:r>
+            <a:r>
+              <a:rPr lang="ro-RO" sz="6000" b="1" dirty="0">
+                <a:latin typeface="+mj-lt"/>
+                <a:ea typeface="+mj-ea"/>
+                <a:cs typeface="+mj-cs"/>
+              </a:rPr>
+              <a:t>ției</a:t>
+            </a:r>
+            <a:br>
+              <a:rPr lang="en-US" sz="6000" dirty="0"/>
+            </a:br>
+            <a:endParaRPr lang="en-US" dirty="0"/>
+          </a:p>
+        </p:txBody>
+      </p:sp>
+      <p:sp>
+        <p:nvSpPr>
+          <p:cNvPr id="3" name="Subtitle 2">
+            <a:extLst>
+              <a:ext uri="{FF2B5EF4-FFF2-40B4-BE49-F238E27FC236}">
+                <a16:creationId xmlns:a16="http://schemas.microsoft.com/office/drawing/2014/main" id="{63F00970-854C-C92F-65C3-9851C3F8EC6D}"/>
               </a:ext>
             </a:extLst>
           </p:cNvPr>
@@ -10955,43 +12538,465 @@
         </p:nvSpPr>
         <p:spPr>
           <a:xfrm>
-            <a:off x="1167493" y="3685939"/>
-            <a:ext cx="6220277" cy="2919512"/>
+            <a:off x="315687" y="1094014"/>
+            <a:ext cx="10748552" cy="4392386"/>
           </a:xfrm>
         </p:spPr>
         <p:txBody>
           <a:bodyPr/>
           <a:lstStyle/>
           <a:p>
-            <a:r>
-              <a:rPr lang="en-US" dirty="0"/>
-              <a:t>Brita Tamm</a:t>
-            </a:r>
-          </a:p>
-          <a:p>
-            <a:r>
-              <a:rPr lang="en-US" dirty="0"/>
-              <a:t>502-555-0152</a:t>
-            </a:r>
-          </a:p>
-          <a:p>
-            <a:r>
-              <a:rPr lang="en-US" dirty="0"/>
-              <a:t>brita@firstupconsultants.com</a:t>
-            </a:r>
-          </a:p>
-          <a:p>
-            <a:r>
-              <a:rPr lang="en-US" dirty="0"/>
-              <a:t>www.firstupconsultants.com</a:t>
-            </a:r>
+            <a:endParaRPr lang="en-US" dirty="0"/>
+          </a:p>
+        </p:txBody>
+      </p:sp>
+      <p:pic>
+        <p:nvPicPr>
+          <p:cNvPr id="6" name="Picture 5">
+            <a:extLst>
+              <a:ext uri="{FF2B5EF4-FFF2-40B4-BE49-F238E27FC236}">
+                <a16:creationId xmlns:a16="http://schemas.microsoft.com/office/drawing/2014/main" id="{0FBE0DBA-A4F1-B743-1420-03A021B03415}"/>
+              </a:ext>
+            </a:extLst>
+          </p:cNvPr>
+          <p:cNvPicPr>
+            <a:picLocks noChangeAspect="1"/>
+          </p:cNvPicPr>
+          <p:nvPr/>
+        </p:nvPicPr>
+        <p:blipFill>
+          <a:blip r:embed="rId2"/>
+          <a:stretch>
+            <a:fillRect/>
+          </a:stretch>
+        </p:blipFill>
+        <p:spPr>
+          <a:xfrm>
+            <a:off x="-1" y="1074461"/>
+            <a:ext cx="6095999" cy="2757310"/>
+          </a:xfrm>
+          <a:prstGeom prst="rect">
+            <a:avLst/>
+          </a:prstGeom>
+        </p:spPr>
+      </p:pic>
+      <p:pic>
+        <p:nvPicPr>
+          <p:cNvPr id="8" name="Picture 7">
+            <a:extLst>
+              <a:ext uri="{FF2B5EF4-FFF2-40B4-BE49-F238E27FC236}">
+                <a16:creationId xmlns:a16="http://schemas.microsoft.com/office/drawing/2014/main" id="{CC2BA420-5F60-B616-DEBE-078E0F57C8D0}"/>
+              </a:ext>
+            </a:extLst>
+          </p:cNvPr>
+          <p:cNvPicPr>
+            <a:picLocks noChangeAspect="1"/>
+          </p:cNvPicPr>
+          <p:nvPr/>
+        </p:nvPicPr>
+        <p:blipFill>
+          <a:blip r:embed="rId3"/>
+          <a:stretch>
+            <a:fillRect/>
+          </a:stretch>
+        </p:blipFill>
+        <p:spPr>
+          <a:xfrm>
+            <a:off x="6096000" y="1074461"/>
+            <a:ext cx="6096000" cy="2757310"/>
+          </a:xfrm>
+          <a:prstGeom prst="rect">
+            <a:avLst/>
+          </a:prstGeom>
+        </p:spPr>
+      </p:pic>
+      <p:pic>
+        <p:nvPicPr>
+          <p:cNvPr id="10" name="Picture 9">
+            <a:extLst>
+              <a:ext uri="{FF2B5EF4-FFF2-40B4-BE49-F238E27FC236}">
+                <a16:creationId xmlns:a16="http://schemas.microsoft.com/office/drawing/2014/main" id="{FF0E2645-421E-5BEA-5EBE-8CEE1701C61C}"/>
+              </a:ext>
+            </a:extLst>
+          </p:cNvPr>
+          <p:cNvPicPr>
+            <a:picLocks noChangeAspect="1"/>
+          </p:cNvPicPr>
+          <p:nvPr/>
+        </p:nvPicPr>
+        <p:blipFill>
+          <a:blip r:embed="rId4"/>
+          <a:stretch>
+            <a:fillRect/>
+          </a:stretch>
+        </p:blipFill>
+        <p:spPr>
+          <a:xfrm>
+            <a:off x="2692400" y="3831771"/>
+            <a:ext cx="6349999" cy="3026229"/>
+          </a:xfrm>
+          <a:prstGeom prst="rect">
+            <a:avLst/>
+          </a:prstGeom>
+        </p:spPr>
+      </p:pic>
+    </p:spTree>
+    <p:extLst>
+      <p:ext uri="{BB962C8B-B14F-4D97-AF65-F5344CB8AC3E}">
+        <p14:creationId xmlns:p14="http://schemas.microsoft.com/office/powerpoint/2010/main" val="1248907703"/>
+      </p:ext>
+    </p:extLst>
+  </p:cSld>
+  <p:clrMapOvr>
+    <a:masterClrMapping/>
+  </p:clrMapOvr>
+</p:sld>
+</file>
+
+<file path=ppt/slides/slide9.xml><?xml version="1.0" encoding="utf-8"?>
+<p:sld xmlns:a="http://schemas.openxmlformats.org/drawingml/2006/main" xmlns:r="http://schemas.openxmlformats.org/officeDocument/2006/relationships" xmlns:p="http://schemas.openxmlformats.org/presentationml/2006/main">
+  <p:cSld>
+    <p:spTree>
+      <p:nvGrpSpPr>
+        <p:cNvPr id="1" name=""/>
+        <p:cNvGrpSpPr/>
+        <p:nvPr/>
+      </p:nvGrpSpPr>
+      <p:grpSpPr>
+        <a:xfrm>
+          <a:off x="0" y="0"/>
+          <a:ext cx="0" cy="0"/>
+          <a:chOff x="0" y="0"/>
+          <a:chExt cx="0" cy="0"/>
+        </a:xfrm>
+      </p:grpSpPr>
+      <p:sp>
+        <p:nvSpPr>
+          <p:cNvPr id="4" name="TextBox 3">
+            <a:extLst>
+              <a:ext uri="{FF2B5EF4-FFF2-40B4-BE49-F238E27FC236}">
+                <a16:creationId xmlns:a16="http://schemas.microsoft.com/office/drawing/2014/main" id="{EFC9A334-90AD-9C73-C74B-C3C435154BD4}"/>
+              </a:ext>
+            </a:extLst>
+          </p:cNvPr>
+          <p:cNvSpPr txBox="1"/>
+          <p:nvPr/>
+        </p:nvSpPr>
+        <p:spPr>
+          <a:xfrm>
+            <a:off x="4659549" y="0"/>
+            <a:ext cx="2872902" cy="923330"/>
+          </a:xfrm>
+          <a:prstGeom prst="rect">
+            <a:avLst/>
+          </a:prstGeom>
+          <a:noFill/>
+        </p:spPr>
+        <p:txBody>
+          <a:bodyPr wrap="none" rtlCol="0">
+            <a:spAutoFit/>
+          </a:bodyPr>
+          <a:lstStyle/>
+          <a:p>
+            <a:r>
+              <a:rPr lang="ro-RO" sz="5400" b="1" dirty="0"/>
+              <a:t>Concluzii</a:t>
+            </a:r>
+            <a:endParaRPr lang="en-US" sz="5400" b="1" dirty="0"/>
+          </a:p>
+        </p:txBody>
+      </p:sp>
+      <p:sp>
+        <p:nvSpPr>
+          <p:cNvPr id="5" name="TextBox 4">
+            <a:extLst>
+              <a:ext uri="{FF2B5EF4-FFF2-40B4-BE49-F238E27FC236}">
+                <a16:creationId xmlns:a16="http://schemas.microsoft.com/office/drawing/2014/main" id="{079E85BF-3DA3-C047-7801-3E04823768CA}"/>
+              </a:ext>
+            </a:extLst>
+          </p:cNvPr>
+          <p:cNvSpPr txBox="1"/>
+          <p:nvPr/>
+        </p:nvSpPr>
+        <p:spPr>
+          <a:xfrm>
+            <a:off x="1333500" y="1282700"/>
+            <a:ext cx="9874250" cy="4031873"/>
+          </a:xfrm>
+          <a:prstGeom prst="rect">
+            <a:avLst/>
+          </a:prstGeom>
+          <a:noFill/>
+        </p:spPr>
+        <p:txBody>
+          <a:bodyPr wrap="square" rtlCol="0">
+            <a:spAutoFit/>
+          </a:bodyPr>
+          <a:lstStyle>
+            <a:defPPr>
+              <a:defRPr lang="en-US"/>
+            </a:defPPr>
+            <a:lvl1pPr marL="285750" indent="-285750">
+              <a:buFont typeface="Arial" panose="020B0604020202020204" pitchFamily="34" charset="0"/>
+              <a:buChar char="•"/>
+              <a:defRPr b="0" i="0" u="none" strike="noStrike" baseline="0">
+                <a:latin typeface="LMRoman12-Regular-Identity-H"/>
+              </a:defRPr>
+            </a:lvl1pPr>
+          </a:lstStyle>
+          <a:p>
+            <a:r>
+              <a:rPr lang="ro-RO" sz="3200" dirty="0">
+                <a:latin typeface="+mn-lt"/>
+              </a:rPr>
+              <a:t>S</a:t>
+            </a:r>
+            <a:r>
+              <a:rPr lang="en-US" sz="3200" dirty="0" err="1">
+                <a:latin typeface="+mn-lt"/>
+              </a:rPr>
+              <a:t>oluție</a:t>
+            </a:r>
+            <a:r>
+              <a:rPr lang="en-US" sz="3200" dirty="0">
+                <a:latin typeface="+mn-lt"/>
+              </a:rPr>
+              <a:t> </a:t>
+            </a:r>
+            <a:r>
+              <a:rPr lang="en-US" sz="3200" dirty="0" err="1">
+                <a:latin typeface="+mn-lt"/>
+              </a:rPr>
+              <a:t>eficientă</a:t>
+            </a:r>
+            <a:r>
+              <a:rPr lang="en-US" sz="3200" dirty="0">
+                <a:latin typeface="+mn-lt"/>
+              </a:rPr>
+              <a:t> </a:t>
+            </a:r>
+            <a:r>
+              <a:rPr lang="en-US" sz="3200" dirty="0" err="1">
+                <a:latin typeface="+mn-lt"/>
+              </a:rPr>
+              <a:t>pentru</a:t>
+            </a:r>
+            <a:r>
+              <a:rPr lang="en-US" sz="3200" dirty="0">
+                <a:latin typeface="+mn-lt"/>
+              </a:rPr>
+              <a:t> </a:t>
+            </a:r>
+            <a:r>
+              <a:rPr lang="en-US" sz="3200" dirty="0" err="1">
+                <a:latin typeface="+mn-lt"/>
+              </a:rPr>
+              <a:t>gestionarea</a:t>
+            </a:r>
+            <a:r>
+              <a:rPr lang="en-US" sz="3200" dirty="0">
+                <a:latin typeface="+mn-lt"/>
+              </a:rPr>
+              <a:t> </a:t>
+            </a:r>
+            <a:r>
+              <a:rPr lang="en-US" sz="3200" dirty="0" err="1">
+                <a:latin typeface="+mn-lt"/>
+              </a:rPr>
+              <a:t>organizată</a:t>
+            </a:r>
+            <a:r>
+              <a:rPr lang="en-US" sz="3200" dirty="0">
+                <a:latin typeface="+mn-lt"/>
+              </a:rPr>
+              <a:t> a </a:t>
+            </a:r>
+            <a:r>
+              <a:rPr lang="en-US" sz="3200" dirty="0" err="1">
+                <a:latin typeface="+mn-lt"/>
+              </a:rPr>
+              <a:t>spațiilor</a:t>
+            </a:r>
+            <a:r>
+              <a:rPr lang="en-US" sz="3200" dirty="0">
+                <a:latin typeface="+mn-lt"/>
+              </a:rPr>
+              <a:t> </a:t>
+            </a:r>
+            <a:r>
+              <a:rPr lang="en-US" sz="3200" dirty="0" err="1">
+                <a:latin typeface="+mn-lt"/>
+              </a:rPr>
+              <a:t>comune</a:t>
+            </a:r>
+            <a:r>
+              <a:rPr lang="en-US" sz="3200" dirty="0">
+                <a:latin typeface="+mn-lt"/>
+              </a:rPr>
+              <a:t> ale</a:t>
+            </a:r>
+            <a:r>
+              <a:rPr lang="ro-RO" sz="3200" dirty="0">
+                <a:latin typeface="+mn-lt"/>
+              </a:rPr>
+              <a:t> </a:t>
+            </a:r>
+            <a:r>
+              <a:rPr lang="en-US" sz="3200" dirty="0" err="1">
+                <a:latin typeface="+mn-lt"/>
+              </a:rPr>
+              <a:t>unei</a:t>
+            </a:r>
+            <a:r>
+              <a:rPr lang="en-US" sz="3200" dirty="0">
+                <a:latin typeface="+mn-lt"/>
+              </a:rPr>
+              <a:t> </a:t>
+            </a:r>
+            <a:r>
+              <a:rPr lang="en-US" sz="3200" dirty="0" err="1">
+                <a:latin typeface="+mn-lt"/>
+              </a:rPr>
+              <a:t>firme</a:t>
+            </a:r>
+            <a:r>
+              <a:rPr lang="en-US" sz="3200" dirty="0">
+                <a:latin typeface="+mn-lt"/>
+              </a:rPr>
+              <a:t> </a:t>
+            </a:r>
+            <a:endParaRPr lang="ro-RO" sz="3200" dirty="0">
+              <a:latin typeface="+mn-lt"/>
+            </a:endParaRPr>
+          </a:p>
+          <a:p>
+            <a:endParaRPr lang="ro-RO" sz="3200" dirty="0">
+              <a:latin typeface="+mn-lt"/>
+            </a:endParaRPr>
+          </a:p>
+          <a:p>
+            <a:r>
+              <a:rPr lang="ro-RO" sz="3200" dirty="0">
+                <a:latin typeface="+mn-lt"/>
+              </a:rPr>
+              <a:t>Î</a:t>
+            </a:r>
+            <a:r>
+              <a:rPr lang="en-US" sz="3200" dirty="0" err="1">
+                <a:latin typeface="+mn-lt"/>
+              </a:rPr>
+              <a:t>mbunătățirea</a:t>
+            </a:r>
+            <a:r>
+              <a:rPr lang="en-US" sz="3200" dirty="0">
+                <a:latin typeface="+mn-lt"/>
+              </a:rPr>
+              <a:t> </a:t>
+            </a:r>
+            <a:r>
+              <a:rPr lang="en-US" sz="3200" dirty="0" err="1">
+                <a:latin typeface="+mn-lt"/>
+              </a:rPr>
+              <a:t>experienței</a:t>
+            </a:r>
+            <a:r>
+              <a:rPr lang="en-US" sz="3200" dirty="0">
+                <a:latin typeface="+mn-lt"/>
+              </a:rPr>
+              <a:t> </a:t>
+            </a:r>
+            <a:r>
+              <a:rPr lang="en-US" sz="3200" dirty="0" err="1">
+                <a:latin typeface="+mn-lt"/>
+              </a:rPr>
+              <a:t>angajaților</a:t>
+            </a:r>
+            <a:r>
+              <a:rPr lang="en-US" sz="3200" dirty="0">
+                <a:latin typeface="+mn-lt"/>
+              </a:rPr>
+              <a:t> la </a:t>
+            </a:r>
+            <a:r>
+              <a:rPr lang="en-US" sz="3200" dirty="0" err="1">
+                <a:latin typeface="+mn-lt"/>
+              </a:rPr>
+              <a:t>locul</a:t>
+            </a:r>
+            <a:r>
+              <a:rPr lang="en-US" sz="3200" dirty="0">
+                <a:latin typeface="+mn-lt"/>
+              </a:rPr>
+              <a:t> de </a:t>
+            </a:r>
+            <a:r>
+              <a:rPr lang="en-US" sz="3200" dirty="0" err="1">
+                <a:latin typeface="+mn-lt"/>
+              </a:rPr>
+              <a:t>muncă</a:t>
+            </a:r>
+            <a:endParaRPr lang="ro-RO" sz="3200" dirty="0">
+              <a:latin typeface="+mn-lt"/>
+            </a:endParaRPr>
+          </a:p>
+          <a:p>
+            <a:endParaRPr lang="ro-RO" sz="3200" dirty="0">
+              <a:latin typeface="+mn-lt"/>
+            </a:endParaRPr>
+          </a:p>
+          <a:p>
+            <a:r>
+              <a:rPr lang="pt-BR" sz="3200" dirty="0">
+                <a:latin typeface="+mn-lt"/>
+              </a:rPr>
+              <a:t>O viitoare versiune poate include</a:t>
+            </a:r>
+            <a:r>
+              <a:rPr lang="ro-RO" sz="3200" dirty="0">
+                <a:latin typeface="+mn-lt"/>
+              </a:rPr>
+              <a:t> </a:t>
+            </a:r>
+            <a:r>
+              <a:rPr lang="pt-BR" sz="3200" dirty="0">
+                <a:latin typeface="+mn-lt"/>
+              </a:rPr>
+              <a:t>o nouă arie de aplicabilitate</a:t>
+            </a:r>
+            <a:r>
+              <a:rPr lang="ro-RO" sz="3200" dirty="0">
+                <a:latin typeface="+mn-lt"/>
+              </a:rPr>
+              <a:t>: </a:t>
+            </a:r>
+            <a:r>
+              <a:rPr lang="en-US" sz="3200" dirty="0" err="1">
+                <a:latin typeface="+mn-lt"/>
+              </a:rPr>
+              <a:t>mediului</a:t>
+            </a:r>
+            <a:r>
+              <a:rPr lang="en-US" sz="3200" dirty="0">
+                <a:latin typeface="+mn-lt"/>
+              </a:rPr>
+              <a:t> </a:t>
+            </a:r>
+            <a:r>
+              <a:rPr lang="en-US" sz="3200" dirty="0" err="1">
+                <a:latin typeface="+mn-lt"/>
+              </a:rPr>
+              <a:t>universitar</a:t>
+            </a:r>
+            <a:endParaRPr lang="en-US" sz="3200" dirty="0">
+              <a:latin typeface="+mn-lt"/>
+            </a:endParaRPr>
           </a:p>
         </p:txBody>
       </p:sp>
     </p:spTree>
     <p:extLst>
       <p:ext uri="{BB962C8B-B14F-4D97-AF65-F5344CB8AC3E}">
-        <p14:creationId xmlns:p14="http://schemas.microsoft.com/office/powerpoint/2010/main" val="1609673525"/>
+        <p14:creationId xmlns:p14="http://schemas.microsoft.com/office/powerpoint/2010/main" val="446772923"/>
       </p:ext>
     </p:extLst>
   </p:cSld>
@@ -11793,6 +13798,15 @@
 </file>
 
 <file path=customXml/item1.xml><?xml version="1.0" encoding="utf-8"?>
+<?mso-contentType ?>
+<FormTemplates xmlns="http://schemas.microsoft.com/sharepoint/v3/contenttype/forms">
+  <Display>DocumentLibraryForm</Display>
+  <Edit>DocumentLibraryForm</Edit>
+  <New>DocumentLibraryForm</New>
+</FormTemplates>
+</file>
+
+<file path=customXml/item2.xml><?xml version="1.0" encoding="utf-8"?>
 <p:properties xmlns:p="http://schemas.microsoft.com/office/2006/metadata/properties" xmlns:xsi="http://www.w3.org/2001/XMLSchema-instance" xmlns:pc="http://schemas.microsoft.com/office/infopath/2007/PartnerControls">
   <documentManagement>
     <_ip_UnifiedCompliancePolicyUIAction xmlns="http://schemas.microsoft.com/sharepoint/v3" xsi:nil="true"/>
@@ -11810,15 +13824,6 @@
     <MediaServiceKeyPoints xmlns="71af3243-3dd4-4a8d-8c0d-dd76da1f02a5" xsi:nil="true"/>
   </documentManagement>
 </p:properties>
-</file>
-
-<file path=customXml/item2.xml><?xml version="1.0" encoding="utf-8"?>
-<?mso-contentType ?>
-<FormTemplates xmlns="http://schemas.microsoft.com/sharepoint/v3/contenttype/forms">
-  <Display>DocumentLibraryForm</Display>
-  <Edit>DocumentLibraryForm</Edit>
-  <New>DocumentLibraryForm</New>
-</FormTemplates>
 </file>
 
 <file path=customXml/item3.xml><?xml version="1.0" encoding="utf-8"?>
@@ -12134,6 +14139,14 @@
 </file>
 
 <file path=customXml/itemProps1.xml><?xml version="1.0" encoding="utf-8"?>
+<ds:datastoreItem xmlns:ds="http://schemas.openxmlformats.org/officeDocument/2006/customXml" ds:itemID="{45A8381C-73EB-48EA-B45F-7B7C8C7DF409}">
+  <ds:schemaRefs>
+    <ds:schemaRef ds:uri="http://schemas.microsoft.com/sharepoint/v3/contenttype/forms"/>
+  </ds:schemaRefs>
+</ds:datastoreItem>
+</file>
+
+<file path=customXml/itemProps2.xml><?xml version="1.0" encoding="utf-8"?>
 <ds:datastoreItem xmlns:ds="http://schemas.openxmlformats.org/officeDocument/2006/customXml" ds:itemID="{61E98C35-9ECE-4425-BCBA-00E118C705CE}">
   <ds:schemaRefs>
     <ds:schemaRef ds:uri="http://schemas.microsoft.com/office/2006/metadata/properties"/>
@@ -12141,14 +14154,6 @@
     <ds:schemaRef ds:uri="http://schemas.microsoft.com/sharepoint/v3"/>
     <ds:schemaRef ds:uri="71af3243-3dd4-4a8d-8c0d-dd76da1f02a5"/>
     <ds:schemaRef ds:uri="230e9df3-be65-4c73-a93b-d1236ebd677e"/>
-  </ds:schemaRefs>
-</ds:datastoreItem>
-</file>
-
-<file path=customXml/itemProps2.xml><?xml version="1.0" encoding="utf-8"?>
-<ds:datastoreItem xmlns:ds="http://schemas.openxmlformats.org/officeDocument/2006/customXml" ds:itemID="{45A8381C-73EB-48EA-B45F-7B7C8C7DF409}">
-  <ds:schemaRefs>
-    <ds:schemaRef ds:uri="http://schemas.microsoft.com/sharepoint/v3/contenttype/forms"/>
   </ds:schemaRefs>
 </ds:datastoreItem>
 </file>
